--- a/ppt 16-9/0186.耶稣明亮晨星.pptx
+++ b/ppt 16-9/0186.耶稣明亮晨星.pptx
@@ -5,7 +5,7 @@
     <p:sldMasterId id="2147483648" r:id="rId1"/>
   </p:sldMasterIdLst>
   <p:sldIdLst>
-    <p:sldId id="2815" r:id="rId2"/>
+    <p:sldId id="2817" r:id="rId2"/>
   </p:sldIdLst>
   <p:sldSz cx="12192000" cy="6858000"/>
   <p:notesSz cx="6858000" cy="9144000"/>
@@ -129,7 +129,7 @@
           <p:cNvPr id="2" name="标题 1">
             <a:extLst>
               <a:ext uri="{FF2B5EF4-FFF2-40B4-BE49-F238E27FC236}">
-                <a16:creationId xmlns:a16="http://schemas.microsoft.com/office/drawing/2014/main" id="{1F624546-9962-4F90-A0C7-55A290F4E585}"/>
+                <a16:creationId xmlns:a16="http://schemas.microsoft.com/office/drawing/2014/main" id="{F70592F0-4E66-E410-E304-24B57762BAB9}"/>
               </a:ext>
             </a:extLst>
           </p:cNvPr>
@@ -166,7 +166,7 @@
           <p:cNvPr id="3" name="副标题 2">
             <a:extLst>
               <a:ext uri="{FF2B5EF4-FFF2-40B4-BE49-F238E27FC236}">
-                <a16:creationId xmlns:a16="http://schemas.microsoft.com/office/drawing/2014/main" id="{13910501-BE16-EBF6-8421-7870991DC3F9}"/>
+                <a16:creationId xmlns:a16="http://schemas.microsoft.com/office/drawing/2014/main" id="{94874B7E-6181-B468-7378-03C3439E18F8}"/>
               </a:ext>
             </a:extLst>
           </p:cNvPr>
@@ -236,7 +236,7 @@
           <p:cNvPr id="4" name="日期占位符 3">
             <a:extLst>
               <a:ext uri="{FF2B5EF4-FFF2-40B4-BE49-F238E27FC236}">
-                <a16:creationId xmlns:a16="http://schemas.microsoft.com/office/drawing/2014/main" id="{74EFFEE7-AAF2-6E01-56B4-691FC1404F5F}"/>
+                <a16:creationId xmlns:a16="http://schemas.microsoft.com/office/drawing/2014/main" id="{51AE77D7-CBF2-6958-63CB-D71E0C22ADFC}"/>
               </a:ext>
             </a:extLst>
           </p:cNvPr>
@@ -252,7 +252,7 @@
           <a:bodyPr/>
           <a:lstStyle/>
           <a:p>
-            <a:fld id="{D1A7F501-3A53-4536-A214-10815EF3F7DE}" type="datetimeFigureOut">
+            <a:fld id="{E4839C7B-FA8C-4AD8-984A-A76B2BA30008}" type="datetimeFigureOut">
               <a:rPr lang="zh-CN" altLang="en-US" smtClean="0"/>
               <a:t>2024/3/10</a:t>
             </a:fld>
@@ -265,7 +265,7 @@
           <p:cNvPr id="5" name="页脚占位符 4">
             <a:extLst>
               <a:ext uri="{FF2B5EF4-FFF2-40B4-BE49-F238E27FC236}">
-                <a16:creationId xmlns:a16="http://schemas.microsoft.com/office/drawing/2014/main" id="{13DEC00D-1A9F-0ECB-130E-778E871D16FA}"/>
+                <a16:creationId xmlns:a16="http://schemas.microsoft.com/office/drawing/2014/main" id="{8EDBD06B-1FAB-A63A-6C30-BA55D839167F}"/>
               </a:ext>
             </a:extLst>
           </p:cNvPr>
@@ -290,7 +290,7 @@
           <p:cNvPr id="6" name="灯片编号占位符 5">
             <a:extLst>
               <a:ext uri="{FF2B5EF4-FFF2-40B4-BE49-F238E27FC236}">
-                <a16:creationId xmlns:a16="http://schemas.microsoft.com/office/drawing/2014/main" id="{C8392F25-3ABC-9700-C627-095E263694C1}"/>
+                <a16:creationId xmlns:a16="http://schemas.microsoft.com/office/drawing/2014/main" id="{8831CAB5-569B-88B5-4B42-296126E1E467}"/>
               </a:ext>
             </a:extLst>
           </p:cNvPr>
@@ -306,7 +306,7 @@
           <a:bodyPr/>
           <a:lstStyle/>
           <a:p>
-            <a:fld id="{17D73691-7AF4-444C-B70E-1309970E7F00}" type="slidenum">
+            <a:fld id="{AF5F60D4-4911-4DEA-BD6B-2FF9A0C2B776}" type="slidenum">
               <a:rPr lang="zh-CN" altLang="en-US" smtClean="0"/>
               <a:t>‹#›</a:t>
             </a:fld>
@@ -317,7 +317,7 @@
     </p:spTree>
     <p:extLst>
       <p:ext uri="{BB962C8B-B14F-4D97-AF65-F5344CB8AC3E}">
-        <p14:creationId xmlns:p14="http://schemas.microsoft.com/office/powerpoint/2010/main" val="4167405100"/>
+        <p14:creationId xmlns:p14="http://schemas.microsoft.com/office/powerpoint/2010/main" val="2934604623"/>
       </p:ext>
     </p:extLst>
   </p:cSld>
@@ -349,7 +349,7 @@
           <p:cNvPr id="2" name="标题 1">
             <a:extLst>
               <a:ext uri="{FF2B5EF4-FFF2-40B4-BE49-F238E27FC236}">
-                <a16:creationId xmlns:a16="http://schemas.microsoft.com/office/drawing/2014/main" id="{070962A5-8E4D-FD72-3F63-F4918756E998}"/>
+                <a16:creationId xmlns:a16="http://schemas.microsoft.com/office/drawing/2014/main" id="{58ABE724-1D76-FA9A-B1A9-3BE76F418FEC}"/>
               </a:ext>
             </a:extLst>
           </p:cNvPr>
@@ -377,7 +377,7 @@
           <p:cNvPr id="3" name="竖排文字占位符 2">
             <a:extLst>
               <a:ext uri="{FF2B5EF4-FFF2-40B4-BE49-F238E27FC236}">
-                <a16:creationId xmlns:a16="http://schemas.microsoft.com/office/drawing/2014/main" id="{0B0EFEA9-BF4E-980F-A9F9-B1CF2DAD3D20}"/>
+                <a16:creationId xmlns:a16="http://schemas.microsoft.com/office/drawing/2014/main" id="{1B843C88-5E64-9EBD-7F74-BF123B4A732B}"/>
               </a:ext>
             </a:extLst>
           </p:cNvPr>
@@ -434,7 +434,7 @@
           <p:cNvPr id="4" name="日期占位符 3">
             <a:extLst>
               <a:ext uri="{FF2B5EF4-FFF2-40B4-BE49-F238E27FC236}">
-                <a16:creationId xmlns:a16="http://schemas.microsoft.com/office/drawing/2014/main" id="{F0488882-5328-6240-ABFE-7E39395181A8}"/>
+                <a16:creationId xmlns:a16="http://schemas.microsoft.com/office/drawing/2014/main" id="{E05B8D81-246F-2E66-8BD1-A5C99693B95F}"/>
               </a:ext>
             </a:extLst>
           </p:cNvPr>
@@ -450,7 +450,7 @@
           <a:bodyPr/>
           <a:lstStyle/>
           <a:p>
-            <a:fld id="{D1A7F501-3A53-4536-A214-10815EF3F7DE}" type="datetimeFigureOut">
+            <a:fld id="{E4839C7B-FA8C-4AD8-984A-A76B2BA30008}" type="datetimeFigureOut">
               <a:rPr lang="zh-CN" altLang="en-US" smtClean="0"/>
               <a:t>2024/3/10</a:t>
             </a:fld>
@@ -463,7 +463,7 @@
           <p:cNvPr id="5" name="页脚占位符 4">
             <a:extLst>
               <a:ext uri="{FF2B5EF4-FFF2-40B4-BE49-F238E27FC236}">
-                <a16:creationId xmlns:a16="http://schemas.microsoft.com/office/drawing/2014/main" id="{393E0B32-1EA4-80DF-108C-D0C5B79344A2}"/>
+                <a16:creationId xmlns:a16="http://schemas.microsoft.com/office/drawing/2014/main" id="{074871E5-0F00-9537-7C6E-3DA9050CC5EE}"/>
               </a:ext>
             </a:extLst>
           </p:cNvPr>
@@ -488,7 +488,7 @@
           <p:cNvPr id="6" name="灯片编号占位符 5">
             <a:extLst>
               <a:ext uri="{FF2B5EF4-FFF2-40B4-BE49-F238E27FC236}">
-                <a16:creationId xmlns:a16="http://schemas.microsoft.com/office/drawing/2014/main" id="{EB7A0141-4177-E575-63DB-7702F0E18178}"/>
+                <a16:creationId xmlns:a16="http://schemas.microsoft.com/office/drawing/2014/main" id="{9F37B878-432B-F85F-0A4D-1AAB766D8859}"/>
               </a:ext>
             </a:extLst>
           </p:cNvPr>
@@ -504,7 +504,7 @@
           <a:bodyPr/>
           <a:lstStyle/>
           <a:p>
-            <a:fld id="{17D73691-7AF4-444C-B70E-1309970E7F00}" type="slidenum">
+            <a:fld id="{AF5F60D4-4911-4DEA-BD6B-2FF9A0C2B776}" type="slidenum">
               <a:rPr lang="zh-CN" altLang="en-US" smtClean="0"/>
               <a:t>‹#›</a:t>
             </a:fld>
@@ -515,7 +515,7 @@
     </p:spTree>
     <p:extLst>
       <p:ext uri="{BB962C8B-B14F-4D97-AF65-F5344CB8AC3E}">
-        <p14:creationId xmlns:p14="http://schemas.microsoft.com/office/powerpoint/2010/main" val="530955212"/>
+        <p14:creationId xmlns:p14="http://schemas.microsoft.com/office/powerpoint/2010/main" val="3248185789"/>
       </p:ext>
     </p:extLst>
   </p:cSld>
@@ -547,7 +547,7 @@
           <p:cNvPr id="2" name="竖排标题 1">
             <a:extLst>
               <a:ext uri="{FF2B5EF4-FFF2-40B4-BE49-F238E27FC236}">
-                <a16:creationId xmlns:a16="http://schemas.microsoft.com/office/drawing/2014/main" id="{A9254C8C-F1F2-4360-D3EF-DBC65A8924B2}"/>
+                <a16:creationId xmlns:a16="http://schemas.microsoft.com/office/drawing/2014/main" id="{9798E322-8B69-F259-4720-8FE815E8672E}"/>
               </a:ext>
             </a:extLst>
           </p:cNvPr>
@@ -580,7 +580,7 @@
           <p:cNvPr id="3" name="竖排文字占位符 2">
             <a:extLst>
               <a:ext uri="{FF2B5EF4-FFF2-40B4-BE49-F238E27FC236}">
-                <a16:creationId xmlns:a16="http://schemas.microsoft.com/office/drawing/2014/main" id="{AE859E55-3F61-DDB3-4198-C8B2B2F7FF29}"/>
+                <a16:creationId xmlns:a16="http://schemas.microsoft.com/office/drawing/2014/main" id="{D2B1A47A-0D69-6E1A-9247-0A77F2AB8EF7}"/>
               </a:ext>
             </a:extLst>
           </p:cNvPr>
@@ -642,7 +642,7 @@
           <p:cNvPr id="4" name="日期占位符 3">
             <a:extLst>
               <a:ext uri="{FF2B5EF4-FFF2-40B4-BE49-F238E27FC236}">
-                <a16:creationId xmlns:a16="http://schemas.microsoft.com/office/drawing/2014/main" id="{18D066BC-BDB5-2246-C282-B964D48A133E}"/>
+                <a16:creationId xmlns:a16="http://schemas.microsoft.com/office/drawing/2014/main" id="{8024D11B-1B9C-D474-778D-FC59CF5A5F86}"/>
               </a:ext>
             </a:extLst>
           </p:cNvPr>
@@ -658,7 +658,7 @@
           <a:bodyPr/>
           <a:lstStyle/>
           <a:p>
-            <a:fld id="{D1A7F501-3A53-4536-A214-10815EF3F7DE}" type="datetimeFigureOut">
+            <a:fld id="{E4839C7B-FA8C-4AD8-984A-A76B2BA30008}" type="datetimeFigureOut">
               <a:rPr lang="zh-CN" altLang="en-US" smtClean="0"/>
               <a:t>2024/3/10</a:t>
             </a:fld>
@@ -671,7 +671,7 @@
           <p:cNvPr id="5" name="页脚占位符 4">
             <a:extLst>
               <a:ext uri="{FF2B5EF4-FFF2-40B4-BE49-F238E27FC236}">
-                <a16:creationId xmlns:a16="http://schemas.microsoft.com/office/drawing/2014/main" id="{22A0CB99-B831-3AF2-BDE7-BB420BE95C02}"/>
+                <a16:creationId xmlns:a16="http://schemas.microsoft.com/office/drawing/2014/main" id="{8B64C90C-3236-A5BF-16D2-F24927E1DC71}"/>
               </a:ext>
             </a:extLst>
           </p:cNvPr>
@@ -696,7 +696,7 @@
           <p:cNvPr id="6" name="灯片编号占位符 5">
             <a:extLst>
               <a:ext uri="{FF2B5EF4-FFF2-40B4-BE49-F238E27FC236}">
-                <a16:creationId xmlns:a16="http://schemas.microsoft.com/office/drawing/2014/main" id="{12284CBE-D62D-D567-7464-A55DAFB8FC54}"/>
+                <a16:creationId xmlns:a16="http://schemas.microsoft.com/office/drawing/2014/main" id="{3EA2D25A-E44D-162B-0CF3-07498F352463}"/>
               </a:ext>
             </a:extLst>
           </p:cNvPr>
@@ -712,7 +712,7 @@
           <a:bodyPr/>
           <a:lstStyle/>
           <a:p>
-            <a:fld id="{17D73691-7AF4-444C-B70E-1309970E7F00}" type="slidenum">
+            <a:fld id="{AF5F60D4-4911-4DEA-BD6B-2FF9A0C2B776}" type="slidenum">
               <a:rPr lang="zh-CN" altLang="en-US" smtClean="0"/>
               <a:t>‹#›</a:t>
             </a:fld>
@@ -723,7 +723,7 @@
     </p:spTree>
     <p:extLst>
       <p:ext uri="{BB962C8B-B14F-4D97-AF65-F5344CB8AC3E}">
-        <p14:creationId xmlns:p14="http://schemas.microsoft.com/office/powerpoint/2010/main" val="3487095807"/>
+        <p14:creationId xmlns:p14="http://schemas.microsoft.com/office/powerpoint/2010/main" val="1142462738"/>
       </p:ext>
     </p:extLst>
   </p:cSld>
@@ -755,7 +755,7 @@
           <p:cNvPr id="2" name="标题 1">
             <a:extLst>
               <a:ext uri="{FF2B5EF4-FFF2-40B4-BE49-F238E27FC236}">
-                <a16:creationId xmlns:a16="http://schemas.microsoft.com/office/drawing/2014/main" id="{2B4D40C3-6004-E699-AD7C-77D4DD950C99}"/>
+                <a16:creationId xmlns:a16="http://schemas.microsoft.com/office/drawing/2014/main" id="{7805D507-3F17-B75B-6B7B-A9F216611D94}"/>
               </a:ext>
             </a:extLst>
           </p:cNvPr>
@@ -783,7 +783,7 @@
           <p:cNvPr id="3" name="内容占位符 2">
             <a:extLst>
               <a:ext uri="{FF2B5EF4-FFF2-40B4-BE49-F238E27FC236}">
-                <a16:creationId xmlns:a16="http://schemas.microsoft.com/office/drawing/2014/main" id="{548974A4-B6FF-F768-B957-E74C2C5BE2F1}"/>
+                <a16:creationId xmlns:a16="http://schemas.microsoft.com/office/drawing/2014/main" id="{E8B385B2-9B9A-5A79-EF41-95401F7BA640}"/>
               </a:ext>
             </a:extLst>
           </p:cNvPr>
@@ -840,7 +840,7 @@
           <p:cNvPr id="4" name="日期占位符 3">
             <a:extLst>
               <a:ext uri="{FF2B5EF4-FFF2-40B4-BE49-F238E27FC236}">
-                <a16:creationId xmlns:a16="http://schemas.microsoft.com/office/drawing/2014/main" id="{A630F4C0-743A-B234-F79C-F45E27E82714}"/>
+                <a16:creationId xmlns:a16="http://schemas.microsoft.com/office/drawing/2014/main" id="{F3125564-C435-8885-FE4E-4E4D0347A0D0}"/>
               </a:ext>
             </a:extLst>
           </p:cNvPr>
@@ -856,7 +856,7 @@
           <a:bodyPr/>
           <a:lstStyle/>
           <a:p>
-            <a:fld id="{D1A7F501-3A53-4536-A214-10815EF3F7DE}" type="datetimeFigureOut">
+            <a:fld id="{E4839C7B-FA8C-4AD8-984A-A76B2BA30008}" type="datetimeFigureOut">
               <a:rPr lang="zh-CN" altLang="en-US" smtClean="0"/>
               <a:t>2024/3/10</a:t>
             </a:fld>
@@ -869,7 +869,7 @@
           <p:cNvPr id="5" name="页脚占位符 4">
             <a:extLst>
               <a:ext uri="{FF2B5EF4-FFF2-40B4-BE49-F238E27FC236}">
-                <a16:creationId xmlns:a16="http://schemas.microsoft.com/office/drawing/2014/main" id="{DC33FB33-2EFC-A138-F7D8-C920D052807D}"/>
+                <a16:creationId xmlns:a16="http://schemas.microsoft.com/office/drawing/2014/main" id="{8207513A-B903-38B2-250B-32A3BFA25006}"/>
               </a:ext>
             </a:extLst>
           </p:cNvPr>
@@ -894,7 +894,7 @@
           <p:cNvPr id="6" name="灯片编号占位符 5">
             <a:extLst>
               <a:ext uri="{FF2B5EF4-FFF2-40B4-BE49-F238E27FC236}">
-                <a16:creationId xmlns:a16="http://schemas.microsoft.com/office/drawing/2014/main" id="{55C34863-5319-B6B0-E6EB-02CBCEA5CDA3}"/>
+                <a16:creationId xmlns:a16="http://schemas.microsoft.com/office/drawing/2014/main" id="{71B23CD9-44B4-9765-7BCB-CB130ABCC274}"/>
               </a:ext>
             </a:extLst>
           </p:cNvPr>
@@ -910,7 +910,7 @@
           <a:bodyPr/>
           <a:lstStyle/>
           <a:p>
-            <a:fld id="{17D73691-7AF4-444C-B70E-1309970E7F00}" type="slidenum">
+            <a:fld id="{AF5F60D4-4911-4DEA-BD6B-2FF9A0C2B776}" type="slidenum">
               <a:rPr lang="zh-CN" altLang="en-US" smtClean="0"/>
               <a:t>‹#›</a:t>
             </a:fld>
@@ -921,7 +921,7 @@
     </p:spTree>
     <p:extLst>
       <p:ext uri="{BB962C8B-B14F-4D97-AF65-F5344CB8AC3E}">
-        <p14:creationId xmlns:p14="http://schemas.microsoft.com/office/powerpoint/2010/main" val="3350337795"/>
+        <p14:creationId xmlns:p14="http://schemas.microsoft.com/office/powerpoint/2010/main" val="4159151731"/>
       </p:ext>
     </p:extLst>
   </p:cSld>
@@ -953,7 +953,7 @@
           <p:cNvPr id="2" name="标题 1">
             <a:extLst>
               <a:ext uri="{FF2B5EF4-FFF2-40B4-BE49-F238E27FC236}">
-                <a16:creationId xmlns:a16="http://schemas.microsoft.com/office/drawing/2014/main" id="{801E8C26-37D6-3F7B-54BB-6DE0C25BD063}"/>
+                <a16:creationId xmlns:a16="http://schemas.microsoft.com/office/drawing/2014/main" id="{42F53C0A-8842-C6A9-3354-709011F60DCA}"/>
               </a:ext>
             </a:extLst>
           </p:cNvPr>
@@ -990,7 +990,7 @@
           <p:cNvPr id="3" name="文本占位符 2">
             <a:extLst>
               <a:ext uri="{FF2B5EF4-FFF2-40B4-BE49-F238E27FC236}">
-                <a16:creationId xmlns:a16="http://schemas.microsoft.com/office/drawing/2014/main" id="{5E7D44AE-9079-D9A7-C4B8-740ACDE5952F}"/>
+                <a16:creationId xmlns:a16="http://schemas.microsoft.com/office/drawing/2014/main" id="{3693A4CD-CE06-5557-403C-60DED956B684}"/>
               </a:ext>
             </a:extLst>
           </p:cNvPr>
@@ -1115,7 +1115,7 @@
           <p:cNvPr id="4" name="日期占位符 3">
             <a:extLst>
               <a:ext uri="{FF2B5EF4-FFF2-40B4-BE49-F238E27FC236}">
-                <a16:creationId xmlns:a16="http://schemas.microsoft.com/office/drawing/2014/main" id="{7501A061-74F2-591F-5EA1-4E7C8D73F381}"/>
+                <a16:creationId xmlns:a16="http://schemas.microsoft.com/office/drawing/2014/main" id="{494FA356-8426-A1EF-5EC0-21FF2C11DB36}"/>
               </a:ext>
             </a:extLst>
           </p:cNvPr>
@@ -1131,7 +1131,7 @@
           <a:bodyPr/>
           <a:lstStyle/>
           <a:p>
-            <a:fld id="{D1A7F501-3A53-4536-A214-10815EF3F7DE}" type="datetimeFigureOut">
+            <a:fld id="{E4839C7B-FA8C-4AD8-984A-A76B2BA30008}" type="datetimeFigureOut">
               <a:rPr lang="zh-CN" altLang="en-US" smtClean="0"/>
               <a:t>2024/3/10</a:t>
             </a:fld>
@@ -1144,7 +1144,7 @@
           <p:cNvPr id="5" name="页脚占位符 4">
             <a:extLst>
               <a:ext uri="{FF2B5EF4-FFF2-40B4-BE49-F238E27FC236}">
-                <a16:creationId xmlns:a16="http://schemas.microsoft.com/office/drawing/2014/main" id="{27D87FF1-5565-3D83-EB5B-2BA542014A47}"/>
+                <a16:creationId xmlns:a16="http://schemas.microsoft.com/office/drawing/2014/main" id="{3D099E59-C65E-5804-52CE-D3C7E982B7E0}"/>
               </a:ext>
             </a:extLst>
           </p:cNvPr>
@@ -1169,7 +1169,7 @@
           <p:cNvPr id="6" name="灯片编号占位符 5">
             <a:extLst>
               <a:ext uri="{FF2B5EF4-FFF2-40B4-BE49-F238E27FC236}">
-                <a16:creationId xmlns:a16="http://schemas.microsoft.com/office/drawing/2014/main" id="{98D4AA55-F78F-DCC6-2E79-E7EB3D5E7393}"/>
+                <a16:creationId xmlns:a16="http://schemas.microsoft.com/office/drawing/2014/main" id="{86F1D6E8-03F3-E3AC-525D-55C53B65D608}"/>
               </a:ext>
             </a:extLst>
           </p:cNvPr>
@@ -1185,7 +1185,7 @@
           <a:bodyPr/>
           <a:lstStyle/>
           <a:p>
-            <a:fld id="{17D73691-7AF4-444C-B70E-1309970E7F00}" type="slidenum">
+            <a:fld id="{AF5F60D4-4911-4DEA-BD6B-2FF9A0C2B776}" type="slidenum">
               <a:rPr lang="zh-CN" altLang="en-US" smtClean="0"/>
               <a:t>‹#›</a:t>
             </a:fld>
@@ -1196,7 +1196,7 @@
     </p:spTree>
     <p:extLst>
       <p:ext uri="{BB962C8B-B14F-4D97-AF65-F5344CB8AC3E}">
-        <p14:creationId xmlns:p14="http://schemas.microsoft.com/office/powerpoint/2010/main" val="2077014783"/>
+        <p14:creationId xmlns:p14="http://schemas.microsoft.com/office/powerpoint/2010/main" val="1879501738"/>
       </p:ext>
     </p:extLst>
   </p:cSld>
@@ -1228,7 +1228,7 @@
           <p:cNvPr id="2" name="标题 1">
             <a:extLst>
               <a:ext uri="{FF2B5EF4-FFF2-40B4-BE49-F238E27FC236}">
-                <a16:creationId xmlns:a16="http://schemas.microsoft.com/office/drawing/2014/main" id="{654C4AB5-B462-EFD3-1479-F3314AE877BA}"/>
+                <a16:creationId xmlns:a16="http://schemas.microsoft.com/office/drawing/2014/main" id="{7631369E-B8EE-1D84-AF78-3BFB901F8BEB}"/>
               </a:ext>
             </a:extLst>
           </p:cNvPr>
@@ -1256,7 +1256,7 @@
           <p:cNvPr id="3" name="内容占位符 2">
             <a:extLst>
               <a:ext uri="{FF2B5EF4-FFF2-40B4-BE49-F238E27FC236}">
-                <a16:creationId xmlns:a16="http://schemas.microsoft.com/office/drawing/2014/main" id="{5A9186C8-C0C6-51A2-9D89-1493298F99A8}"/>
+                <a16:creationId xmlns:a16="http://schemas.microsoft.com/office/drawing/2014/main" id="{97B61213-3614-EF67-92F5-F57E26C0B63A}"/>
               </a:ext>
             </a:extLst>
           </p:cNvPr>
@@ -1318,7 +1318,7 @@
           <p:cNvPr id="4" name="内容占位符 3">
             <a:extLst>
               <a:ext uri="{FF2B5EF4-FFF2-40B4-BE49-F238E27FC236}">
-                <a16:creationId xmlns:a16="http://schemas.microsoft.com/office/drawing/2014/main" id="{0640A6E9-16E8-0265-48C7-AA000975C7CA}"/>
+                <a16:creationId xmlns:a16="http://schemas.microsoft.com/office/drawing/2014/main" id="{676A26F9-7FBB-228B-7C87-5E62ACE99576}"/>
               </a:ext>
             </a:extLst>
           </p:cNvPr>
@@ -1380,7 +1380,7 @@
           <p:cNvPr id="5" name="日期占位符 4">
             <a:extLst>
               <a:ext uri="{FF2B5EF4-FFF2-40B4-BE49-F238E27FC236}">
-                <a16:creationId xmlns:a16="http://schemas.microsoft.com/office/drawing/2014/main" id="{4759440A-0F7D-9B75-1D6A-7D92DFAE6ED5}"/>
+                <a16:creationId xmlns:a16="http://schemas.microsoft.com/office/drawing/2014/main" id="{DCE28D20-FD9F-B0E5-D5AC-D49262E43B63}"/>
               </a:ext>
             </a:extLst>
           </p:cNvPr>
@@ -1396,7 +1396,7 @@
           <a:bodyPr/>
           <a:lstStyle/>
           <a:p>
-            <a:fld id="{D1A7F501-3A53-4536-A214-10815EF3F7DE}" type="datetimeFigureOut">
+            <a:fld id="{E4839C7B-FA8C-4AD8-984A-A76B2BA30008}" type="datetimeFigureOut">
               <a:rPr lang="zh-CN" altLang="en-US" smtClean="0"/>
               <a:t>2024/3/10</a:t>
             </a:fld>
@@ -1409,7 +1409,7 @@
           <p:cNvPr id="6" name="页脚占位符 5">
             <a:extLst>
               <a:ext uri="{FF2B5EF4-FFF2-40B4-BE49-F238E27FC236}">
-                <a16:creationId xmlns:a16="http://schemas.microsoft.com/office/drawing/2014/main" id="{19825F19-B408-6F27-0345-87E71A385A48}"/>
+                <a16:creationId xmlns:a16="http://schemas.microsoft.com/office/drawing/2014/main" id="{88558CF4-97FD-EBBA-E806-ED060432109A}"/>
               </a:ext>
             </a:extLst>
           </p:cNvPr>
@@ -1434,7 +1434,7 @@
           <p:cNvPr id="7" name="灯片编号占位符 6">
             <a:extLst>
               <a:ext uri="{FF2B5EF4-FFF2-40B4-BE49-F238E27FC236}">
-                <a16:creationId xmlns:a16="http://schemas.microsoft.com/office/drawing/2014/main" id="{E1792183-05D0-FCD2-C881-5A23F16AC51D}"/>
+                <a16:creationId xmlns:a16="http://schemas.microsoft.com/office/drawing/2014/main" id="{C2EFAE1C-B519-D5E6-FE20-F0F85681D0E0}"/>
               </a:ext>
             </a:extLst>
           </p:cNvPr>
@@ -1450,7 +1450,7 @@
           <a:bodyPr/>
           <a:lstStyle/>
           <a:p>
-            <a:fld id="{17D73691-7AF4-444C-B70E-1309970E7F00}" type="slidenum">
+            <a:fld id="{AF5F60D4-4911-4DEA-BD6B-2FF9A0C2B776}" type="slidenum">
               <a:rPr lang="zh-CN" altLang="en-US" smtClean="0"/>
               <a:t>‹#›</a:t>
             </a:fld>
@@ -1461,7 +1461,7 @@
     </p:spTree>
     <p:extLst>
       <p:ext uri="{BB962C8B-B14F-4D97-AF65-F5344CB8AC3E}">
-        <p14:creationId xmlns:p14="http://schemas.microsoft.com/office/powerpoint/2010/main" val="4193485525"/>
+        <p14:creationId xmlns:p14="http://schemas.microsoft.com/office/powerpoint/2010/main" val="1327097435"/>
       </p:ext>
     </p:extLst>
   </p:cSld>
@@ -1493,7 +1493,7 @@
           <p:cNvPr id="2" name="标题 1">
             <a:extLst>
               <a:ext uri="{FF2B5EF4-FFF2-40B4-BE49-F238E27FC236}">
-                <a16:creationId xmlns:a16="http://schemas.microsoft.com/office/drawing/2014/main" id="{F4617365-3238-4128-0E36-67FF214ABF28}"/>
+                <a16:creationId xmlns:a16="http://schemas.microsoft.com/office/drawing/2014/main" id="{17897040-8CCA-E0D2-3FC2-9FDC310611D0}"/>
               </a:ext>
             </a:extLst>
           </p:cNvPr>
@@ -1526,7 +1526,7 @@
           <p:cNvPr id="3" name="文本占位符 2">
             <a:extLst>
               <a:ext uri="{FF2B5EF4-FFF2-40B4-BE49-F238E27FC236}">
-                <a16:creationId xmlns:a16="http://schemas.microsoft.com/office/drawing/2014/main" id="{A8F58CDD-3621-EBE5-93E6-D177804CFF0A}"/>
+                <a16:creationId xmlns:a16="http://schemas.microsoft.com/office/drawing/2014/main" id="{58A37890-C800-93A5-D312-0B081FB731A1}"/>
               </a:ext>
             </a:extLst>
           </p:cNvPr>
@@ -1597,7 +1597,7 @@
           <p:cNvPr id="4" name="内容占位符 3">
             <a:extLst>
               <a:ext uri="{FF2B5EF4-FFF2-40B4-BE49-F238E27FC236}">
-                <a16:creationId xmlns:a16="http://schemas.microsoft.com/office/drawing/2014/main" id="{3A73566C-B652-A2B8-6718-8D4DC7E59738}"/>
+                <a16:creationId xmlns:a16="http://schemas.microsoft.com/office/drawing/2014/main" id="{D436076C-11DF-BA00-9CD0-213EA9A6945E}"/>
               </a:ext>
             </a:extLst>
           </p:cNvPr>
@@ -1659,7 +1659,7 @@
           <p:cNvPr id="5" name="文本占位符 4">
             <a:extLst>
               <a:ext uri="{FF2B5EF4-FFF2-40B4-BE49-F238E27FC236}">
-                <a16:creationId xmlns:a16="http://schemas.microsoft.com/office/drawing/2014/main" id="{A9215D2D-3AD7-3ACC-E602-C98AE36E9F85}"/>
+                <a16:creationId xmlns:a16="http://schemas.microsoft.com/office/drawing/2014/main" id="{ED40B38E-44A8-EE61-F7DE-23E504E80784}"/>
               </a:ext>
             </a:extLst>
           </p:cNvPr>
@@ -1730,7 +1730,7 @@
           <p:cNvPr id="6" name="内容占位符 5">
             <a:extLst>
               <a:ext uri="{FF2B5EF4-FFF2-40B4-BE49-F238E27FC236}">
-                <a16:creationId xmlns:a16="http://schemas.microsoft.com/office/drawing/2014/main" id="{C6C21F81-9A63-FFC4-E2D5-F3912A1F99FF}"/>
+                <a16:creationId xmlns:a16="http://schemas.microsoft.com/office/drawing/2014/main" id="{ABE2CF62-6AFA-C07F-A737-BECC5CF59B99}"/>
               </a:ext>
             </a:extLst>
           </p:cNvPr>
@@ -1792,7 +1792,7 @@
           <p:cNvPr id="7" name="日期占位符 6">
             <a:extLst>
               <a:ext uri="{FF2B5EF4-FFF2-40B4-BE49-F238E27FC236}">
-                <a16:creationId xmlns:a16="http://schemas.microsoft.com/office/drawing/2014/main" id="{CEDA0015-9733-C450-B2FF-4A233A1930D0}"/>
+                <a16:creationId xmlns:a16="http://schemas.microsoft.com/office/drawing/2014/main" id="{B935B365-AAB8-2DC3-3E28-537B5F96B438}"/>
               </a:ext>
             </a:extLst>
           </p:cNvPr>
@@ -1808,7 +1808,7 @@
           <a:bodyPr/>
           <a:lstStyle/>
           <a:p>
-            <a:fld id="{D1A7F501-3A53-4536-A214-10815EF3F7DE}" type="datetimeFigureOut">
+            <a:fld id="{E4839C7B-FA8C-4AD8-984A-A76B2BA30008}" type="datetimeFigureOut">
               <a:rPr lang="zh-CN" altLang="en-US" smtClean="0"/>
               <a:t>2024/3/10</a:t>
             </a:fld>
@@ -1821,7 +1821,7 @@
           <p:cNvPr id="8" name="页脚占位符 7">
             <a:extLst>
               <a:ext uri="{FF2B5EF4-FFF2-40B4-BE49-F238E27FC236}">
-                <a16:creationId xmlns:a16="http://schemas.microsoft.com/office/drawing/2014/main" id="{1353DE22-DBA9-ECA5-CEF6-F7EDDB0C0FAC}"/>
+                <a16:creationId xmlns:a16="http://schemas.microsoft.com/office/drawing/2014/main" id="{C52725FE-C20C-13D6-EB89-DD2260008163}"/>
               </a:ext>
             </a:extLst>
           </p:cNvPr>
@@ -1846,7 +1846,7 @@
           <p:cNvPr id="9" name="灯片编号占位符 8">
             <a:extLst>
               <a:ext uri="{FF2B5EF4-FFF2-40B4-BE49-F238E27FC236}">
-                <a16:creationId xmlns:a16="http://schemas.microsoft.com/office/drawing/2014/main" id="{28F6835A-B788-1720-FF0B-EC0274571DE4}"/>
+                <a16:creationId xmlns:a16="http://schemas.microsoft.com/office/drawing/2014/main" id="{983C5C86-D66A-E0C5-3881-3BACDF95122B}"/>
               </a:ext>
             </a:extLst>
           </p:cNvPr>
@@ -1862,7 +1862,7 @@
           <a:bodyPr/>
           <a:lstStyle/>
           <a:p>
-            <a:fld id="{17D73691-7AF4-444C-B70E-1309970E7F00}" type="slidenum">
+            <a:fld id="{AF5F60D4-4911-4DEA-BD6B-2FF9A0C2B776}" type="slidenum">
               <a:rPr lang="zh-CN" altLang="en-US" smtClean="0"/>
               <a:t>‹#›</a:t>
             </a:fld>
@@ -1873,7 +1873,7 @@
     </p:spTree>
     <p:extLst>
       <p:ext uri="{BB962C8B-B14F-4D97-AF65-F5344CB8AC3E}">
-        <p14:creationId xmlns:p14="http://schemas.microsoft.com/office/powerpoint/2010/main" val="2225018755"/>
+        <p14:creationId xmlns:p14="http://schemas.microsoft.com/office/powerpoint/2010/main" val="2486668837"/>
       </p:ext>
     </p:extLst>
   </p:cSld>
@@ -1905,7 +1905,7 @@
           <p:cNvPr id="2" name="标题 1">
             <a:extLst>
               <a:ext uri="{FF2B5EF4-FFF2-40B4-BE49-F238E27FC236}">
-                <a16:creationId xmlns:a16="http://schemas.microsoft.com/office/drawing/2014/main" id="{077190A9-FD87-0881-8857-F892ECEA74F9}"/>
+                <a16:creationId xmlns:a16="http://schemas.microsoft.com/office/drawing/2014/main" id="{D17099E1-5339-7E98-AB12-2C6E7CE4079F}"/>
               </a:ext>
             </a:extLst>
           </p:cNvPr>
@@ -1933,7 +1933,7 @@
           <p:cNvPr id="3" name="日期占位符 2">
             <a:extLst>
               <a:ext uri="{FF2B5EF4-FFF2-40B4-BE49-F238E27FC236}">
-                <a16:creationId xmlns:a16="http://schemas.microsoft.com/office/drawing/2014/main" id="{3B46D7C7-FC1B-9C20-032F-721E347745EB}"/>
+                <a16:creationId xmlns:a16="http://schemas.microsoft.com/office/drawing/2014/main" id="{1E9F9D93-F96F-4292-F6FF-794E0B28D695}"/>
               </a:ext>
             </a:extLst>
           </p:cNvPr>
@@ -1949,7 +1949,7 @@
           <a:bodyPr/>
           <a:lstStyle/>
           <a:p>
-            <a:fld id="{D1A7F501-3A53-4536-A214-10815EF3F7DE}" type="datetimeFigureOut">
+            <a:fld id="{E4839C7B-FA8C-4AD8-984A-A76B2BA30008}" type="datetimeFigureOut">
               <a:rPr lang="zh-CN" altLang="en-US" smtClean="0"/>
               <a:t>2024/3/10</a:t>
             </a:fld>
@@ -1962,7 +1962,7 @@
           <p:cNvPr id="4" name="页脚占位符 3">
             <a:extLst>
               <a:ext uri="{FF2B5EF4-FFF2-40B4-BE49-F238E27FC236}">
-                <a16:creationId xmlns:a16="http://schemas.microsoft.com/office/drawing/2014/main" id="{554A1230-C725-0890-202F-7D9A537DC55B}"/>
+                <a16:creationId xmlns:a16="http://schemas.microsoft.com/office/drawing/2014/main" id="{EA9555D1-D989-8A6E-BA2F-6D170958E95E}"/>
               </a:ext>
             </a:extLst>
           </p:cNvPr>
@@ -1987,7 +1987,7 @@
           <p:cNvPr id="5" name="灯片编号占位符 4">
             <a:extLst>
               <a:ext uri="{FF2B5EF4-FFF2-40B4-BE49-F238E27FC236}">
-                <a16:creationId xmlns:a16="http://schemas.microsoft.com/office/drawing/2014/main" id="{5C2C7B62-F5BA-9EDA-ACD7-9CCD6449CFA0}"/>
+                <a16:creationId xmlns:a16="http://schemas.microsoft.com/office/drawing/2014/main" id="{66FAB52B-CA3D-848B-6F62-C0B8E1E90489}"/>
               </a:ext>
             </a:extLst>
           </p:cNvPr>
@@ -2003,7 +2003,7 @@
           <a:bodyPr/>
           <a:lstStyle/>
           <a:p>
-            <a:fld id="{17D73691-7AF4-444C-B70E-1309970E7F00}" type="slidenum">
+            <a:fld id="{AF5F60D4-4911-4DEA-BD6B-2FF9A0C2B776}" type="slidenum">
               <a:rPr lang="zh-CN" altLang="en-US" smtClean="0"/>
               <a:t>‹#›</a:t>
             </a:fld>
@@ -2014,7 +2014,7 @@
     </p:spTree>
     <p:extLst>
       <p:ext uri="{BB962C8B-B14F-4D97-AF65-F5344CB8AC3E}">
-        <p14:creationId xmlns:p14="http://schemas.microsoft.com/office/powerpoint/2010/main" val="129488744"/>
+        <p14:creationId xmlns:p14="http://schemas.microsoft.com/office/powerpoint/2010/main" val="4136188188"/>
       </p:ext>
     </p:extLst>
   </p:cSld>
@@ -2046,7 +2046,7 @@
           <p:cNvPr id="2" name="日期占位符 1">
             <a:extLst>
               <a:ext uri="{FF2B5EF4-FFF2-40B4-BE49-F238E27FC236}">
-                <a16:creationId xmlns:a16="http://schemas.microsoft.com/office/drawing/2014/main" id="{022EB31C-0252-D6E5-43CA-4D84EFC97A08}"/>
+                <a16:creationId xmlns:a16="http://schemas.microsoft.com/office/drawing/2014/main" id="{53CCBBBC-9876-38DF-16BC-76B898D3CCE8}"/>
               </a:ext>
             </a:extLst>
           </p:cNvPr>
@@ -2062,7 +2062,7 @@
           <a:bodyPr/>
           <a:lstStyle/>
           <a:p>
-            <a:fld id="{D1A7F501-3A53-4536-A214-10815EF3F7DE}" type="datetimeFigureOut">
+            <a:fld id="{E4839C7B-FA8C-4AD8-984A-A76B2BA30008}" type="datetimeFigureOut">
               <a:rPr lang="zh-CN" altLang="en-US" smtClean="0"/>
               <a:t>2024/3/10</a:t>
             </a:fld>
@@ -2075,7 +2075,7 @@
           <p:cNvPr id="3" name="页脚占位符 2">
             <a:extLst>
               <a:ext uri="{FF2B5EF4-FFF2-40B4-BE49-F238E27FC236}">
-                <a16:creationId xmlns:a16="http://schemas.microsoft.com/office/drawing/2014/main" id="{318AEAA7-988C-5F82-0089-286EC6A26AC1}"/>
+                <a16:creationId xmlns:a16="http://schemas.microsoft.com/office/drawing/2014/main" id="{D7CB5C74-8181-42D0-D485-6B94EE869944}"/>
               </a:ext>
             </a:extLst>
           </p:cNvPr>
@@ -2100,7 +2100,7 @@
           <p:cNvPr id="4" name="灯片编号占位符 3">
             <a:extLst>
               <a:ext uri="{FF2B5EF4-FFF2-40B4-BE49-F238E27FC236}">
-                <a16:creationId xmlns:a16="http://schemas.microsoft.com/office/drawing/2014/main" id="{0A9D5F1B-6037-F069-029F-F0EF22998CCA}"/>
+                <a16:creationId xmlns:a16="http://schemas.microsoft.com/office/drawing/2014/main" id="{1FF40AB2-8B5B-44CF-D2AD-95A3757F5035}"/>
               </a:ext>
             </a:extLst>
           </p:cNvPr>
@@ -2116,7 +2116,7 @@
           <a:bodyPr/>
           <a:lstStyle/>
           <a:p>
-            <a:fld id="{17D73691-7AF4-444C-B70E-1309970E7F00}" type="slidenum">
+            <a:fld id="{AF5F60D4-4911-4DEA-BD6B-2FF9A0C2B776}" type="slidenum">
               <a:rPr lang="zh-CN" altLang="en-US" smtClean="0"/>
               <a:t>‹#›</a:t>
             </a:fld>
@@ -2127,7 +2127,7 @@
     </p:spTree>
     <p:extLst>
       <p:ext uri="{BB962C8B-B14F-4D97-AF65-F5344CB8AC3E}">
-        <p14:creationId xmlns:p14="http://schemas.microsoft.com/office/powerpoint/2010/main" val="679779796"/>
+        <p14:creationId xmlns:p14="http://schemas.microsoft.com/office/powerpoint/2010/main" val="4130969391"/>
       </p:ext>
     </p:extLst>
   </p:cSld>
@@ -2159,7 +2159,7 @@
           <p:cNvPr id="2" name="标题 1">
             <a:extLst>
               <a:ext uri="{FF2B5EF4-FFF2-40B4-BE49-F238E27FC236}">
-                <a16:creationId xmlns:a16="http://schemas.microsoft.com/office/drawing/2014/main" id="{8725B12B-820A-20F2-352C-330763D57BE5}"/>
+                <a16:creationId xmlns:a16="http://schemas.microsoft.com/office/drawing/2014/main" id="{BD5C935F-9DB6-DA32-4680-1C1F359CB6A6}"/>
               </a:ext>
             </a:extLst>
           </p:cNvPr>
@@ -2196,7 +2196,7 @@
           <p:cNvPr id="3" name="内容占位符 2">
             <a:extLst>
               <a:ext uri="{FF2B5EF4-FFF2-40B4-BE49-F238E27FC236}">
-                <a16:creationId xmlns:a16="http://schemas.microsoft.com/office/drawing/2014/main" id="{5DE9176C-73FA-0F17-D47B-573194BA67C2}"/>
+                <a16:creationId xmlns:a16="http://schemas.microsoft.com/office/drawing/2014/main" id="{897DF2EA-5C04-D3A6-CCB8-5B8A6C0EA4ED}"/>
               </a:ext>
             </a:extLst>
           </p:cNvPr>
@@ -2286,7 +2286,7 @@
           <p:cNvPr id="4" name="文本占位符 3">
             <a:extLst>
               <a:ext uri="{FF2B5EF4-FFF2-40B4-BE49-F238E27FC236}">
-                <a16:creationId xmlns:a16="http://schemas.microsoft.com/office/drawing/2014/main" id="{87F65A7E-07CD-40DA-4008-1BB1A24B1093}"/>
+                <a16:creationId xmlns:a16="http://schemas.microsoft.com/office/drawing/2014/main" id="{77801214-7989-1CFE-A328-00EA39EC6149}"/>
               </a:ext>
             </a:extLst>
           </p:cNvPr>
@@ -2357,7 +2357,7 @@
           <p:cNvPr id="5" name="日期占位符 4">
             <a:extLst>
               <a:ext uri="{FF2B5EF4-FFF2-40B4-BE49-F238E27FC236}">
-                <a16:creationId xmlns:a16="http://schemas.microsoft.com/office/drawing/2014/main" id="{CF8DBFA6-037D-0B23-5BE4-420C56BD8231}"/>
+                <a16:creationId xmlns:a16="http://schemas.microsoft.com/office/drawing/2014/main" id="{D61EDB08-295C-5AF1-065D-740F6EC3D85C}"/>
               </a:ext>
             </a:extLst>
           </p:cNvPr>
@@ -2373,7 +2373,7 @@
           <a:bodyPr/>
           <a:lstStyle/>
           <a:p>
-            <a:fld id="{D1A7F501-3A53-4536-A214-10815EF3F7DE}" type="datetimeFigureOut">
+            <a:fld id="{E4839C7B-FA8C-4AD8-984A-A76B2BA30008}" type="datetimeFigureOut">
               <a:rPr lang="zh-CN" altLang="en-US" smtClean="0"/>
               <a:t>2024/3/10</a:t>
             </a:fld>
@@ -2386,7 +2386,7 @@
           <p:cNvPr id="6" name="页脚占位符 5">
             <a:extLst>
               <a:ext uri="{FF2B5EF4-FFF2-40B4-BE49-F238E27FC236}">
-                <a16:creationId xmlns:a16="http://schemas.microsoft.com/office/drawing/2014/main" id="{F1BF0B60-6FD1-6C66-EF45-0FA5074F3EF1}"/>
+                <a16:creationId xmlns:a16="http://schemas.microsoft.com/office/drawing/2014/main" id="{7AD213FA-6592-4DBE-69F9-1FF62FA7D2D9}"/>
               </a:ext>
             </a:extLst>
           </p:cNvPr>
@@ -2411,7 +2411,7 @@
           <p:cNvPr id="7" name="灯片编号占位符 6">
             <a:extLst>
               <a:ext uri="{FF2B5EF4-FFF2-40B4-BE49-F238E27FC236}">
-                <a16:creationId xmlns:a16="http://schemas.microsoft.com/office/drawing/2014/main" id="{2452AFC9-CBEF-93C1-D53A-002804E5C686}"/>
+                <a16:creationId xmlns:a16="http://schemas.microsoft.com/office/drawing/2014/main" id="{F749D5EE-937B-217E-72C8-3591D9F328E0}"/>
               </a:ext>
             </a:extLst>
           </p:cNvPr>
@@ -2427,7 +2427,7 @@
           <a:bodyPr/>
           <a:lstStyle/>
           <a:p>
-            <a:fld id="{17D73691-7AF4-444C-B70E-1309970E7F00}" type="slidenum">
+            <a:fld id="{AF5F60D4-4911-4DEA-BD6B-2FF9A0C2B776}" type="slidenum">
               <a:rPr lang="zh-CN" altLang="en-US" smtClean="0"/>
               <a:t>‹#›</a:t>
             </a:fld>
@@ -2438,7 +2438,7 @@
     </p:spTree>
     <p:extLst>
       <p:ext uri="{BB962C8B-B14F-4D97-AF65-F5344CB8AC3E}">
-        <p14:creationId xmlns:p14="http://schemas.microsoft.com/office/powerpoint/2010/main" val="943760213"/>
+        <p14:creationId xmlns:p14="http://schemas.microsoft.com/office/powerpoint/2010/main" val="690479723"/>
       </p:ext>
     </p:extLst>
   </p:cSld>
@@ -2470,7 +2470,7 @@
           <p:cNvPr id="2" name="标题 1">
             <a:extLst>
               <a:ext uri="{FF2B5EF4-FFF2-40B4-BE49-F238E27FC236}">
-                <a16:creationId xmlns:a16="http://schemas.microsoft.com/office/drawing/2014/main" id="{E99B6938-144D-625D-BB4E-9E314F70BC19}"/>
+                <a16:creationId xmlns:a16="http://schemas.microsoft.com/office/drawing/2014/main" id="{2BD70A93-7655-C550-4974-B950B6FDE6C0}"/>
               </a:ext>
             </a:extLst>
           </p:cNvPr>
@@ -2507,7 +2507,7 @@
           <p:cNvPr id="3" name="图片占位符 2">
             <a:extLst>
               <a:ext uri="{FF2B5EF4-FFF2-40B4-BE49-F238E27FC236}">
-                <a16:creationId xmlns:a16="http://schemas.microsoft.com/office/drawing/2014/main" id="{646A6393-FC5C-DD62-B6E2-378611E9D05E}"/>
+                <a16:creationId xmlns:a16="http://schemas.microsoft.com/office/drawing/2014/main" id="{F823733F-6D62-B010-A461-D17B9B0C79DB}"/>
               </a:ext>
             </a:extLst>
           </p:cNvPr>
@@ -2574,7 +2574,7 @@
           <p:cNvPr id="4" name="文本占位符 3">
             <a:extLst>
               <a:ext uri="{FF2B5EF4-FFF2-40B4-BE49-F238E27FC236}">
-                <a16:creationId xmlns:a16="http://schemas.microsoft.com/office/drawing/2014/main" id="{88475446-C4AE-0EB7-999B-5E3359907DE5}"/>
+                <a16:creationId xmlns:a16="http://schemas.microsoft.com/office/drawing/2014/main" id="{3AE992AE-6D26-C787-2CD6-3E5BE51D37D5}"/>
               </a:ext>
             </a:extLst>
           </p:cNvPr>
@@ -2645,7 +2645,7 @@
           <p:cNvPr id="5" name="日期占位符 4">
             <a:extLst>
               <a:ext uri="{FF2B5EF4-FFF2-40B4-BE49-F238E27FC236}">
-                <a16:creationId xmlns:a16="http://schemas.microsoft.com/office/drawing/2014/main" id="{7400DE82-AFE2-8DAE-ECE9-23776F97E5D2}"/>
+                <a16:creationId xmlns:a16="http://schemas.microsoft.com/office/drawing/2014/main" id="{3087EBBA-DC71-27DB-D3C8-382F220A8448}"/>
               </a:ext>
             </a:extLst>
           </p:cNvPr>
@@ -2661,7 +2661,7 @@
           <a:bodyPr/>
           <a:lstStyle/>
           <a:p>
-            <a:fld id="{D1A7F501-3A53-4536-A214-10815EF3F7DE}" type="datetimeFigureOut">
+            <a:fld id="{E4839C7B-FA8C-4AD8-984A-A76B2BA30008}" type="datetimeFigureOut">
               <a:rPr lang="zh-CN" altLang="en-US" smtClean="0"/>
               <a:t>2024/3/10</a:t>
             </a:fld>
@@ -2674,7 +2674,7 @@
           <p:cNvPr id="6" name="页脚占位符 5">
             <a:extLst>
               <a:ext uri="{FF2B5EF4-FFF2-40B4-BE49-F238E27FC236}">
-                <a16:creationId xmlns:a16="http://schemas.microsoft.com/office/drawing/2014/main" id="{4A0C2ED3-F47A-2AC3-7C7D-37B0B0273E4E}"/>
+                <a16:creationId xmlns:a16="http://schemas.microsoft.com/office/drawing/2014/main" id="{CD8C91A4-ECCC-25E1-82DE-8C8A1B44F82C}"/>
               </a:ext>
             </a:extLst>
           </p:cNvPr>
@@ -2699,7 +2699,7 @@
           <p:cNvPr id="7" name="灯片编号占位符 6">
             <a:extLst>
               <a:ext uri="{FF2B5EF4-FFF2-40B4-BE49-F238E27FC236}">
-                <a16:creationId xmlns:a16="http://schemas.microsoft.com/office/drawing/2014/main" id="{A9373FE5-9F2E-B547-547B-9CE75D603E49}"/>
+                <a16:creationId xmlns:a16="http://schemas.microsoft.com/office/drawing/2014/main" id="{46FB8F5A-60F0-3ACF-C25A-42C307FD78B7}"/>
               </a:ext>
             </a:extLst>
           </p:cNvPr>
@@ -2715,7 +2715,7 @@
           <a:bodyPr/>
           <a:lstStyle/>
           <a:p>
-            <a:fld id="{17D73691-7AF4-444C-B70E-1309970E7F00}" type="slidenum">
+            <a:fld id="{AF5F60D4-4911-4DEA-BD6B-2FF9A0C2B776}" type="slidenum">
               <a:rPr lang="zh-CN" altLang="en-US" smtClean="0"/>
               <a:t>‹#›</a:t>
             </a:fld>
@@ -2726,7 +2726,7 @@
     </p:spTree>
     <p:extLst>
       <p:ext uri="{BB962C8B-B14F-4D97-AF65-F5344CB8AC3E}">
-        <p14:creationId xmlns:p14="http://schemas.microsoft.com/office/powerpoint/2010/main" val="1871652375"/>
+        <p14:creationId xmlns:p14="http://schemas.microsoft.com/office/powerpoint/2010/main" val="216401352"/>
       </p:ext>
     </p:extLst>
   </p:cSld>
@@ -2763,7 +2763,7 @@
           <p:cNvPr id="2" name="标题占位符 1">
             <a:extLst>
               <a:ext uri="{FF2B5EF4-FFF2-40B4-BE49-F238E27FC236}">
-                <a16:creationId xmlns:a16="http://schemas.microsoft.com/office/drawing/2014/main" id="{0146B92A-6D64-1CA0-0691-09857618BC95}"/>
+                <a16:creationId xmlns:a16="http://schemas.microsoft.com/office/drawing/2014/main" id="{DBCD8802-CB2D-31E3-33B8-D2251AD80F6A}"/>
               </a:ext>
             </a:extLst>
           </p:cNvPr>
@@ -2801,7 +2801,7 @@
           <p:cNvPr id="3" name="文本占位符 2">
             <a:extLst>
               <a:ext uri="{FF2B5EF4-FFF2-40B4-BE49-F238E27FC236}">
-                <a16:creationId xmlns:a16="http://schemas.microsoft.com/office/drawing/2014/main" id="{E53ACC54-D7D2-45B0-986D-614D106153E9}"/>
+                <a16:creationId xmlns:a16="http://schemas.microsoft.com/office/drawing/2014/main" id="{D0833C02-90D4-6CF8-7090-348D5D45CAA3}"/>
               </a:ext>
             </a:extLst>
           </p:cNvPr>
@@ -2868,7 +2868,7 @@
           <p:cNvPr id="4" name="日期占位符 3">
             <a:extLst>
               <a:ext uri="{FF2B5EF4-FFF2-40B4-BE49-F238E27FC236}">
-                <a16:creationId xmlns:a16="http://schemas.microsoft.com/office/drawing/2014/main" id="{EAD418CB-F377-9BE9-E82D-91A04B53920A}"/>
+                <a16:creationId xmlns:a16="http://schemas.microsoft.com/office/drawing/2014/main" id="{24155355-CE71-86EF-1FEE-1DCC3960A161}"/>
               </a:ext>
             </a:extLst>
           </p:cNvPr>
@@ -2902,7 +2902,7 @@
             </a:lvl1pPr>
           </a:lstStyle>
           <a:p>
-            <a:fld id="{D1A7F501-3A53-4536-A214-10815EF3F7DE}" type="datetimeFigureOut">
+            <a:fld id="{E4839C7B-FA8C-4AD8-984A-A76B2BA30008}" type="datetimeFigureOut">
               <a:rPr lang="zh-CN" altLang="en-US" smtClean="0"/>
               <a:t>2024/3/10</a:t>
             </a:fld>
@@ -2915,7 +2915,7 @@
           <p:cNvPr id="5" name="页脚占位符 4">
             <a:extLst>
               <a:ext uri="{FF2B5EF4-FFF2-40B4-BE49-F238E27FC236}">
-                <a16:creationId xmlns:a16="http://schemas.microsoft.com/office/drawing/2014/main" id="{EB5924DE-C876-4071-9545-4546444C488D}"/>
+                <a16:creationId xmlns:a16="http://schemas.microsoft.com/office/drawing/2014/main" id="{ABA421A3-B7C7-7250-113E-D5A20C5590FE}"/>
               </a:ext>
             </a:extLst>
           </p:cNvPr>
@@ -2958,7 +2958,7 @@
           <p:cNvPr id="6" name="灯片编号占位符 5">
             <a:extLst>
               <a:ext uri="{FF2B5EF4-FFF2-40B4-BE49-F238E27FC236}">
-                <a16:creationId xmlns:a16="http://schemas.microsoft.com/office/drawing/2014/main" id="{C80FAB51-B7B7-38B5-DFD2-2DC21BC45AAB}"/>
+                <a16:creationId xmlns:a16="http://schemas.microsoft.com/office/drawing/2014/main" id="{298CC01B-E8E0-FB4B-99D6-426BBA836ABF}"/>
               </a:ext>
             </a:extLst>
           </p:cNvPr>
@@ -2992,7 +2992,7 @@
             </a:lvl1pPr>
           </a:lstStyle>
           <a:p>
-            <a:fld id="{17D73691-7AF4-444C-B70E-1309970E7F00}" type="slidenum">
+            <a:fld id="{AF5F60D4-4911-4DEA-BD6B-2FF9A0C2B776}" type="slidenum">
               <a:rPr lang="zh-CN" altLang="en-US" smtClean="0"/>
               <a:t>‹#›</a:t>
             </a:fld>
@@ -3003,7 +3003,7 @@
     </p:spTree>
     <p:extLst>
       <p:ext uri="{BB962C8B-B14F-4D97-AF65-F5344CB8AC3E}">
-        <p14:creationId xmlns:p14="http://schemas.microsoft.com/office/powerpoint/2010/main" val="2010264877"/>
+        <p14:creationId xmlns:p14="http://schemas.microsoft.com/office/powerpoint/2010/main" val="75196704"/>
       </p:ext>
     </p:extLst>
   </p:cSld>
@@ -3323,7 +3323,7 @@
       </p:grpSpPr>
       <p:pic>
         <p:nvPicPr>
-          <p:cNvPr id="190466" name="Picture 2" descr="185"/>
+          <p:cNvPr id="191490" name="Picture 2" descr="186"/>
           <p:cNvPicPr>
             <a:picLocks noChangeAspect="1" noChangeArrowheads="1"/>
           </p:cNvPicPr>
@@ -3377,7 +3377,7 @@
       </p:pic>
       <p:pic>
         <p:nvPicPr>
-          <p:cNvPr id="191491" name="Picture 3" descr="185-2"/>
+          <p:cNvPr id="192515" name="Picture 3" descr="186-2"/>
           <p:cNvPicPr>
             <a:picLocks noChangeAspect="1" noChangeArrowheads="1"/>
           </p:cNvPicPr>
@@ -3400,6 +3400,70 @@
           <a:xfrm>
             <a:off x="1524000" y="0"/>
             <a:ext cx="9144000" cy="6858000"/>
+          </a:xfrm>
+          <a:prstGeom prst="rect">
+            <a:avLst/>
+          </a:prstGeom>
+          <a:noFill/>
+          <a:ln>
+            <a:noFill/>
+          </a:ln>
+          <a:effectLst/>
+          <a:extLst>
+            <a:ext uri="{909E8E84-426E-40DD-AFC4-6F175D3DCCD1}">
+              <a14:hiddenFill xmlns:a14="http://schemas.microsoft.com/office/drawing/2010/main">
+                <a:solidFill>
+                  <a:srgbClr val="FFFFFF"/>
+                </a:solidFill>
+              </a14:hiddenFill>
+            </a:ext>
+            <a:ext uri="{91240B29-F687-4F45-9708-019B960494DF}">
+              <a14:hiddenLine xmlns:a14="http://schemas.microsoft.com/office/drawing/2010/main" w="9525">
+                <a:solidFill>
+                  <a:srgbClr val="000000"/>
+                </a:solidFill>
+                <a:miter lim="800000"/>
+                <a:headEnd/>
+                <a:tailEnd/>
+              </a14:hiddenLine>
+            </a:ext>
+            <a:ext uri="{AF507438-7753-43E0-B8FC-AC1667EBCBE1}">
+              <a14:hiddenEffects xmlns:a14="http://schemas.microsoft.com/office/drawing/2010/main">
+                <a:effectLst>
+                  <a:outerShdw dist="35921" dir="2700000" algn="ctr" rotWithShape="0">
+                    <a:srgbClr val="808080"/>
+                  </a:outerShdw>
+                </a:effectLst>
+              </a14:hiddenEffects>
+            </a:ext>
+          </a:extLst>
+        </p:spPr>
+      </p:pic>
+      <p:pic>
+        <p:nvPicPr>
+          <p:cNvPr id="192516" name="Picture 4" descr="186-3"/>
+          <p:cNvPicPr>
+            <a:picLocks noChangeAspect="1" noChangeArrowheads="1"/>
+          </p:cNvPicPr>
+          <p:nvPr/>
+        </p:nvPicPr>
+        <p:blipFill>
+          <a:blip r:embed="rId4">
+            <a:extLst>
+              <a:ext uri="{28A0092B-C50C-407E-A947-70E740481C1C}">
+                <a14:useLocalDpi xmlns:a14="http://schemas.microsoft.com/office/drawing/2010/main" val="0"/>
+              </a:ext>
+            </a:extLst>
+          </a:blip>
+          <a:srcRect/>
+          <a:stretch>
+            <a:fillRect/>
+          </a:stretch>
+        </p:blipFill>
+        <p:spPr bwMode="auto">
+          <a:xfrm>
+            <a:off x="1524000" y="-11113"/>
+            <a:ext cx="9144000" cy="6842126"/>
           </a:xfrm>
           <a:prstGeom prst="rect">
             <a:avLst/>
@@ -3478,7 +3542,7 @@
                                           </p:stCondLst>
                                         </p:cTn>
                                         <p:tgtEl>
-                                          <p:spTgt spid="191491"/>
+                                          <p:spTgt spid="192515"/>
                                         </p:tgtEl>
                                         <p:attrNameLst>
                                           <p:attrName>style.visibility</p:attrName>
@@ -3492,7 +3556,60 @@
                                       <p:cBhvr>
                                         <p:cTn id="7" dur="500"/>
                                         <p:tgtEl>
-                                          <p:spTgt spid="191491"/>
+                                          <p:spTgt spid="192515"/>
+                                        </p:tgtEl>
+                                      </p:cBhvr>
+                                    </p:animEffect>
+                                  </p:childTnLst>
+                                </p:cTn>
+                              </p:par>
+                            </p:childTnLst>
+                          </p:cTn>
+                        </p:par>
+                      </p:childTnLst>
+                    </p:cTn>
+                  </p:par>
+                  <p:par>
+                    <p:cTn id="8" fill="hold" nodeType="clickPar">
+                      <p:stCondLst>
+                        <p:cond delay="indefinite"/>
+                      </p:stCondLst>
+                      <p:childTnLst>
+                        <p:par>
+                          <p:cTn id="9" fill="hold" nodeType="withGroup">
+                            <p:stCondLst>
+                              <p:cond delay="0"/>
+                            </p:stCondLst>
+                            <p:childTnLst>
+                              <p:par>
+                                <p:cTn id="10" presetID="10" presetClass="entr" presetSubtype="0" fill="hold" nodeType="clickEffect">
+                                  <p:stCondLst>
+                                    <p:cond delay="0"/>
+                                  </p:stCondLst>
+                                  <p:childTnLst>
+                                    <p:set>
+                                      <p:cBhvr>
+                                        <p:cTn id="11" dur="1" fill="hold">
+                                          <p:stCondLst>
+                                            <p:cond delay="0"/>
+                                          </p:stCondLst>
+                                        </p:cTn>
+                                        <p:tgtEl>
+                                          <p:spTgt spid="192516"/>
+                                        </p:tgtEl>
+                                        <p:attrNameLst>
+                                          <p:attrName>style.visibility</p:attrName>
+                                        </p:attrNameLst>
+                                      </p:cBhvr>
+                                      <p:to>
+                                        <p:strVal val="visible"/>
+                                      </p:to>
+                                    </p:set>
+                                    <p:animEffect transition="in" filter="fade">
+                                      <p:cBhvr>
+                                        <p:cTn id="12" dur="500"/>
+                                        <p:tgtEl>
+                                          <p:spTgt spid="192516"/>
                                         </p:tgtEl>
                                       </p:cBhvr>
                                     </p:animEffect>
